--- a/14-Machine-Learning-Introduction/14-1-Supervised-Learning-Overview/supervised-learning-slides.pptx
+++ b/14-Machine-Learning-Introduction/14-1-Supervised-Learning-Overview/supervised-learning-slides.pptx
@@ -110,6 +110,11 @@
       </a:defRPr>
     </a:lvl9pPr>
   </p:defaultTextStyle>
+  <p:extLst>
+    <p:ext uri="{EFAFB233-063F-42B5-8137-9DF3F51BA10A}">
+      <p15:sldGuideLst xmlns:p15="http://schemas.microsoft.com/office/powerpoint/2012/main"/>
+    </p:ext>
+  </p:extLst>
 </p:presentation>
 </file>
 
@@ -117,19 +122,19 @@
 <pc:chgInfo xmlns:a="http://schemas.openxmlformats.org/drawingml/2006/main" xmlns:r="http://schemas.openxmlformats.org/officeDocument/2006/relationships" xmlns:ac="http://schemas.microsoft.com/office/drawing/2013/main/command" xmlns:pc="http://schemas.microsoft.com/office/powerpoint/2013/main/command">
   <pc:docChgLst>
     <pc:chgData name="sahdev ghorela" userId="aab1b882d8501027" providerId="LiveId" clId="{CAEE2418-8CFC-4CFC-89E6-D6B19C33A9CA}"/>
-    <pc:docChg chg="custSel addSld modSld">
-      <pc:chgData name="sahdev ghorela" userId="aab1b882d8501027" providerId="LiveId" clId="{CAEE2418-8CFC-4CFC-89E6-D6B19C33A9CA}" dt="2024-09-24T21:09:38.310" v="68" actId="1076"/>
+    <pc:docChg chg="undo custSel addSld delSld modSld">
+      <pc:chgData name="sahdev ghorela" userId="aab1b882d8501027" providerId="LiveId" clId="{CAEE2418-8CFC-4CFC-89E6-D6B19C33A9CA}" dt="2024-10-02T22:52:09.291" v="128" actId="47"/>
       <pc:docMkLst>
         <pc:docMk/>
       </pc:docMkLst>
       <pc:sldChg chg="addSp delSp modSp new mod">
-        <pc:chgData name="sahdev ghorela" userId="aab1b882d8501027" providerId="LiveId" clId="{CAEE2418-8CFC-4CFC-89E6-D6B19C33A9CA}" dt="2024-09-24T21:03:45.910" v="39" actId="1076"/>
+        <pc:chgData name="sahdev ghorela" userId="aab1b882d8501027" providerId="LiveId" clId="{CAEE2418-8CFC-4CFC-89E6-D6B19C33A9CA}" dt="2024-10-02T22:52:08.339" v="127" actId="478"/>
         <pc:sldMkLst>
           <pc:docMk/>
           <pc:sldMk cId="1645107575" sldId="256"/>
         </pc:sldMkLst>
         <pc:spChg chg="mod">
-          <ac:chgData name="sahdev ghorela" userId="aab1b882d8501027" providerId="LiveId" clId="{CAEE2418-8CFC-4CFC-89E6-D6B19C33A9CA}" dt="2024-09-24T21:02:19.470" v="36" actId="27636"/>
+          <ac:chgData name="sahdev ghorela" userId="aab1b882d8501027" providerId="LiveId" clId="{CAEE2418-8CFC-4CFC-89E6-D6B19C33A9CA}" dt="2024-10-02T22:52:06.252" v="124" actId="20577"/>
           <ac:spMkLst>
             <pc:docMk/>
             <pc:sldMk cId="1645107575" sldId="256"/>
@@ -144,8 +149,16 @@
             <ac:spMk id="3" creationId="{36B5D6F2-91BF-DDFA-45F1-66573301F705}"/>
           </ac:spMkLst>
         </pc:spChg>
-        <pc:picChg chg="add mod">
-          <ac:chgData name="sahdev ghorela" userId="aab1b882d8501027" providerId="LiveId" clId="{CAEE2418-8CFC-4CFC-89E6-D6B19C33A9CA}" dt="2024-09-24T21:03:45.910" v="39" actId="1076"/>
+        <pc:picChg chg="add del mod">
+          <ac:chgData name="sahdev ghorela" userId="aab1b882d8501027" providerId="LiveId" clId="{CAEE2418-8CFC-4CFC-89E6-D6B19C33A9CA}" dt="2024-10-02T22:52:07.558" v="126" actId="22"/>
+          <ac:picMkLst>
+            <pc:docMk/>
+            <pc:sldMk cId="1645107575" sldId="256"/>
+            <ac:picMk id="4" creationId="{A84A8D26-264D-0021-9A88-F4052C373512}"/>
+          </ac:picMkLst>
+        </pc:picChg>
+        <pc:picChg chg="add del mod">
+          <ac:chgData name="sahdev ghorela" userId="aab1b882d8501027" providerId="LiveId" clId="{CAEE2418-8CFC-4CFC-89E6-D6B19C33A9CA}" dt="2024-10-02T22:52:08.339" v="127" actId="478"/>
           <ac:picMkLst>
             <pc:docMk/>
             <pc:sldMk cId="1645107575" sldId="256"/>
@@ -153,8 +166,31 @@
           </ac:picMkLst>
         </pc:picChg>
       </pc:sldChg>
-      <pc:sldChg chg="addSp delSp modSp add mod">
-        <pc:chgData name="sahdev ghorela" userId="aab1b882d8501027" providerId="LiveId" clId="{CAEE2418-8CFC-4CFC-89E6-D6B19C33A9CA}" dt="2024-09-24T21:07:04.134" v="47" actId="1076"/>
+      <pc:sldChg chg="addSp delSp modSp add del mod">
+        <pc:chgData name="sahdev ghorela" userId="aab1b882d8501027" providerId="LiveId" clId="{CAEE2418-8CFC-4CFC-89E6-D6B19C33A9CA}" dt="2024-10-02T22:52:04.983" v="122" actId="2890"/>
+        <pc:sldMkLst>
+          <pc:docMk/>
+          <pc:sldMk cId="1463276426" sldId="257"/>
+        </pc:sldMkLst>
+        <pc:picChg chg="add del">
+          <ac:chgData name="sahdev ghorela" userId="aab1b882d8501027" providerId="LiveId" clId="{CAEE2418-8CFC-4CFC-89E6-D6B19C33A9CA}" dt="2024-10-02T22:52:04.550" v="121" actId="478"/>
+          <ac:picMkLst>
+            <pc:docMk/>
+            <pc:sldMk cId="1463276426" sldId="257"/>
+            <ac:picMk id="4" creationId="{A84A8D26-264D-0021-9A88-F4052C373512}"/>
+          </ac:picMkLst>
+        </pc:picChg>
+        <pc:picChg chg="add del mod">
+          <ac:chgData name="sahdev ghorela" userId="aab1b882d8501027" providerId="LiveId" clId="{CAEE2418-8CFC-4CFC-89E6-D6B19C33A9CA}" dt="2024-10-02T22:52:04.167" v="120" actId="22"/>
+          <ac:picMkLst>
+            <pc:docMk/>
+            <pc:sldMk cId="1463276426" sldId="257"/>
+            <ac:picMk id="5" creationId="{EF1FDF1A-9C0E-DFC3-91D1-384C87773510}"/>
+          </ac:picMkLst>
+        </pc:picChg>
+      </pc:sldChg>
+      <pc:sldChg chg="addSp delSp modSp add del mod">
+        <pc:chgData name="sahdev ghorela" userId="aab1b882d8501027" providerId="LiveId" clId="{CAEE2418-8CFC-4CFC-89E6-D6B19C33A9CA}" dt="2024-10-02T22:52:09.291" v="128" actId="47"/>
         <pc:sldMkLst>
           <pc:docMk/>
           <pc:sldMk cId="3379186632" sldId="257"/>
@@ -184,8 +220,8 @@
           </ac:picMkLst>
         </pc:picChg>
       </pc:sldChg>
-      <pc:sldChg chg="addSp delSp add mod">
-        <pc:chgData name="sahdev ghorela" userId="aab1b882d8501027" providerId="LiveId" clId="{CAEE2418-8CFC-4CFC-89E6-D6B19C33A9CA}" dt="2024-09-24T21:07:45.255" v="48" actId="22"/>
+      <pc:sldChg chg="addSp delSp add del mod">
+        <pc:chgData name="sahdev ghorela" userId="aab1b882d8501027" providerId="LiveId" clId="{CAEE2418-8CFC-4CFC-89E6-D6B19C33A9CA}" dt="2024-10-02T22:52:09.291" v="128" actId="47"/>
         <pc:sldMkLst>
           <pc:docMk/>
           <pc:sldMk cId="3425866635" sldId="258"/>
@@ -207,8 +243,31 @@
           </ac:picMkLst>
         </pc:picChg>
       </pc:sldChg>
-      <pc:sldChg chg="addSp delSp modSp add mod">
-        <pc:chgData name="sahdev ghorela" userId="aab1b882d8501027" providerId="LiveId" clId="{CAEE2418-8CFC-4CFC-89E6-D6B19C33A9CA}" dt="2024-09-24T21:08:16.001" v="53" actId="1076"/>
+      <pc:sldChg chg="addSp delSp modSp add del mod">
+        <pc:chgData name="sahdev ghorela" userId="aab1b882d8501027" providerId="LiveId" clId="{CAEE2418-8CFC-4CFC-89E6-D6B19C33A9CA}" dt="2024-10-02T22:52:03.441" v="118" actId="2890"/>
+        <pc:sldMkLst>
+          <pc:docMk/>
+          <pc:sldMk cId="3540792672" sldId="258"/>
+        </pc:sldMkLst>
+        <pc:picChg chg="add del mod">
+          <ac:chgData name="sahdev ghorela" userId="aab1b882d8501027" providerId="LiveId" clId="{CAEE2418-8CFC-4CFC-89E6-D6B19C33A9CA}" dt="2024-10-02T22:52:02.667" v="116" actId="22"/>
+          <ac:picMkLst>
+            <pc:docMk/>
+            <pc:sldMk cId="3540792672" sldId="258"/>
+            <ac:picMk id="4" creationId="{1D1DDDAE-BED1-8923-EA80-7ED237426C20}"/>
+          </ac:picMkLst>
+        </pc:picChg>
+        <pc:picChg chg="add del">
+          <ac:chgData name="sahdev ghorela" userId="aab1b882d8501027" providerId="LiveId" clId="{CAEE2418-8CFC-4CFC-89E6-D6B19C33A9CA}" dt="2024-10-02T22:52:02.979" v="117" actId="478"/>
+          <ac:picMkLst>
+            <pc:docMk/>
+            <pc:sldMk cId="3540792672" sldId="258"/>
+            <ac:picMk id="5" creationId="{EF1FDF1A-9C0E-DFC3-91D1-384C87773510}"/>
+          </ac:picMkLst>
+        </pc:picChg>
+      </pc:sldChg>
+      <pc:sldChg chg="addSp delSp modSp add del mod">
+        <pc:chgData name="sahdev ghorela" userId="aab1b882d8501027" providerId="LiveId" clId="{CAEE2418-8CFC-4CFC-89E6-D6B19C33A9CA}" dt="2024-10-02T22:52:09.291" v="128" actId="47"/>
         <pc:sldMkLst>
           <pc:docMk/>
           <pc:sldMk cId="1588846497" sldId="259"/>
@@ -230,8 +289,8 @@
           </ac:picMkLst>
         </pc:picChg>
       </pc:sldChg>
-      <pc:sldChg chg="addSp delSp modSp add mod">
-        <pc:chgData name="sahdev ghorela" userId="aab1b882d8501027" providerId="LiveId" clId="{CAEE2418-8CFC-4CFC-89E6-D6B19C33A9CA}" dt="2024-09-24T21:08:46.433" v="58" actId="1076"/>
+      <pc:sldChg chg="addSp delSp modSp add del mod">
+        <pc:chgData name="sahdev ghorela" userId="aab1b882d8501027" providerId="LiveId" clId="{CAEE2418-8CFC-4CFC-89E6-D6B19C33A9CA}" dt="2024-10-02T22:52:09.291" v="128" actId="47"/>
         <pc:sldMkLst>
           <pc:docMk/>
           <pc:sldMk cId="3232636130" sldId="260"/>
@@ -253,8 +312,8 @@
           </ac:picMkLst>
         </pc:picChg>
       </pc:sldChg>
-      <pc:sldChg chg="addSp delSp modSp add mod">
-        <pc:chgData name="sahdev ghorela" userId="aab1b882d8501027" providerId="LiveId" clId="{CAEE2418-8CFC-4CFC-89E6-D6B19C33A9CA}" dt="2024-09-24T21:09:09.714" v="63" actId="1076"/>
+      <pc:sldChg chg="addSp delSp modSp add del mod">
+        <pc:chgData name="sahdev ghorela" userId="aab1b882d8501027" providerId="LiveId" clId="{CAEE2418-8CFC-4CFC-89E6-D6B19C33A9CA}" dt="2024-10-02T22:52:09.291" v="128" actId="47"/>
         <pc:sldMkLst>
           <pc:docMk/>
           <pc:sldMk cId="784343845" sldId="261"/>
@@ -276,8 +335,8 @@
           </ac:picMkLst>
         </pc:picChg>
       </pc:sldChg>
-      <pc:sldChg chg="addSp delSp modSp add mod">
-        <pc:chgData name="sahdev ghorela" userId="aab1b882d8501027" providerId="LiveId" clId="{CAEE2418-8CFC-4CFC-89E6-D6B19C33A9CA}" dt="2024-09-24T21:09:38.310" v="68" actId="1076"/>
+      <pc:sldChg chg="addSp delSp modSp add del mod">
+        <pc:chgData name="sahdev ghorela" userId="aab1b882d8501027" providerId="LiveId" clId="{CAEE2418-8CFC-4CFC-89E6-D6B19C33A9CA}" dt="2024-10-02T22:52:09.291" v="128" actId="47"/>
         <pc:sldMkLst>
           <pc:docMk/>
           <pc:sldMk cId="431478413" sldId="262"/>
@@ -451,7 +510,7 @@
           <a:p>
             <a:fld id="{85F9C40F-4EA6-423D-8F0A-E4DE1AC9054D}" type="datetimeFigureOut">
               <a:rPr lang="en-GB" smtClean="0"/>
-              <a:t>24/09/2024</a:t>
+              <a:t>02/10/2024</a:t>
             </a:fld>
             <a:endParaRPr lang="en-GB"/>
           </a:p>
@@ -649,7 +708,7 @@
           <a:p>
             <a:fld id="{85F9C40F-4EA6-423D-8F0A-E4DE1AC9054D}" type="datetimeFigureOut">
               <a:rPr lang="en-GB" smtClean="0"/>
-              <a:t>24/09/2024</a:t>
+              <a:t>02/10/2024</a:t>
             </a:fld>
             <a:endParaRPr lang="en-GB"/>
           </a:p>
@@ -857,7 +916,7 @@
           <a:p>
             <a:fld id="{85F9C40F-4EA6-423D-8F0A-E4DE1AC9054D}" type="datetimeFigureOut">
               <a:rPr lang="en-GB" smtClean="0"/>
-              <a:t>24/09/2024</a:t>
+              <a:t>02/10/2024</a:t>
             </a:fld>
             <a:endParaRPr lang="en-GB"/>
           </a:p>
@@ -1055,7 +1114,7 @@
           <a:p>
             <a:fld id="{85F9C40F-4EA6-423D-8F0A-E4DE1AC9054D}" type="datetimeFigureOut">
               <a:rPr lang="en-GB" smtClean="0"/>
-              <a:t>24/09/2024</a:t>
+              <a:t>02/10/2024</a:t>
             </a:fld>
             <a:endParaRPr lang="en-GB"/>
           </a:p>
@@ -1330,7 +1389,7 @@
           <a:p>
             <a:fld id="{85F9C40F-4EA6-423D-8F0A-E4DE1AC9054D}" type="datetimeFigureOut">
               <a:rPr lang="en-GB" smtClean="0"/>
-              <a:t>24/09/2024</a:t>
+              <a:t>02/10/2024</a:t>
             </a:fld>
             <a:endParaRPr lang="en-GB"/>
           </a:p>
@@ -1595,7 +1654,7 @@
           <a:p>
             <a:fld id="{85F9C40F-4EA6-423D-8F0A-E4DE1AC9054D}" type="datetimeFigureOut">
               <a:rPr lang="en-GB" smtClean="0"/>
-              <a:t>24/09/2024</a:t>
+              <a:t>02/10/2024</a:t>
             </a:fld>
             <a:endParaRPr lang="en-GB"/>
           </a:p>
@@ -2007,7 +2066,7 @@
           <a:p>
             <a:fld id="{85F9C40F-4EA6-423D-8F0A-E4DE1AC9054D}" type="datetimeFigureOut">
               <a:rPr lang="en-GB" smtClean="0"/>
-              <a:t>24/09/2024</a:t>
+              <a:t>02/10/2024</a:t>
             </a:fld>
             <a:endParaRPr lang="en-GB"/>
           </a:p>
@@ -2148,7 +2207,7 @@
           <a:p>
             <a:fld id="{85F9C40F-4EA6-423D-8F0A-E4DE1AC9054D}" type="datetimeFigureOut">
               <a:rPr lang="en-GB" smtClean="0"/>
-              <a:t>24/09/2024</a:t>
+              <a:t>02/10/2024</a:t>
             </a:fld>
             <a:endParaRPr lang="en-GB"/>
           </a:p>
@@ -2261,7 +2320,7 @@
           <a:p>
             <a:fld id="{85F9C40F-4EA6-423D-8F0A-E4DE1AC9054D}" type="datetimeFigureOut">
               <a:rPr lang="en-GB" smtClean="0"/>
-              <a:t>24/09/2024</a:t>
+              <a:t>02/10/2024</a:t>
             </a:fld>
             <a:endParaRPr lang="en-GB"/>
           </a:p>
@@ -2572,7 +2631,7 @@
           <a:p>
             <a:fld id="{85F9C40F-4EA6-423D-8F0A-E4DE1AC9054D}" type="datetimeFigureOut">
               <a:rPr lang="en-GB" smtClean="0"/>
-              <a:t>24/09/2024</a:t>
+              <a:t>02/10/2024</a:t>
             </a:fld>
             <a:endParaRPr lang="en-GB"/>
           </a:p>
@@ -2860,7 +2919,7 @@
           <a:p>
             <a:fld id="{85F9C40F-4EA6-423D-8F0A-E4DE1AC9054D}" type="datetimeFigureOut">
               <a:rPr lang="en-GB" smtClean="0"/>
-              <a:t>24/09/2024</a:t>
+              <a:t>02/10/2024</a:t>
             </a:fld>
             <a:endParaRPr lang="en-GB"/>
           </a:p>
@@ -3101,7 +3160,7 @@
           <a:p>
             <a:fld id="{85F9C40F-4EA6-423D-8F0A-E4DE1AC9054D}" type="datetimeFigureOut">
               <a:rPr lang="en-GB" smtClean="0"/>
-              <a:t>24/09/2024</a:t>
+              <a:t>02/10/2024</a:t>
             </a:fld>
             <a:endParaRPr lang="en-GB"/>
           </a:p>
